--- a/doc/STALite_GMNS_V0.8.pptx
+++ b/doc/STALite_GMNS_V0.8.pptx
@@ -11282,7 +11282,7 @@
             </a:pPr>
             <a:r>
               <a:rPr lang="en-US" sz="1600" dirty="0" smtClean="0"/>
-              <a:t>Efficiently </a:t>
+              <a:t>Efficient </a:t>
             </a:r>
             <a:r>
               <a:rPr lang="en-US" sz="1600" b="1" dirty="0" smtClean="0"/>
